--- a/Proyecto Final-SIGEP/Presentación 26-05.pptx
+++ b/Proyecto Final-SIGEP/Presentación 26-05.pptx
@@ -109,6 +109,11 @@
       </a:defRPr>
     </a:lvl9pPr>
   </p:defaultTextStyle>
+  <p:extLst>
+    <p:ext uri="{EFAFB233-063F-42B5-8137-9DF3F51BA10A}">
+      <p15:sldGuideLst xmlns:p15="http://schemas.microsoft.com/office/powerpoint/2012/main"/>
+    </p:ext>
+  </p:extLst>
 </p:presentation>
 </file>
 
@@ -304,7 +309,7 @@
             <a:fld id="{B61BEF0D-F0BB-DE4B-95CE-6DB70DBA9567}" type="datetimeFigureOut">
               <a:rPr lang="en-US" dirty="0"/>
               <a:pPr/>
-              <a:t>5/20/2019</a:t>
+              <a:t>5/22/2019</a:t>
             </a:fld>
             <a:endParaRPr lang="en-US" dirty="0"/>
           </a:p>
@@ -737,7 +742,7 @@
             <a:fld id="{B61BEF0D-F0BB-DE4B-95CE-6DB70DBA9567}" type="datetimeFigureOut">
               <a:rPr lang="en-US" dirty="0"/>
               <a:pPr/>
-              <a:t>5/20/2019</a:t>
+              <a:t>5/22/2019</a:t>
             </a:fld>
             <a:endParaRPr lang="en-US" dirty="0"/>
           </a:p>
@@ -984,7 +989,7 @@
             <a:fld id="{B61BEF0D-F0BB-DE4B-95CE-6DB70DBA9567}" type="datetimeFigureOut">
               <a:rPr lang="en-US" dirty="0"/>
               <a:pPr/>
-              <a:t>5/20/2019</a:t>
+              <a:t>5/22/2019</a:t>
             </a:fld>
             <a:endParaRPr lang="en-US" dirty="0"/>
           </a:p>
@@ -1289,7 +1294,7 @@
             <a:fld id="{B61BEF0D-F0BB-DE4B-95CE-6DB70DBA9567}" type="datetimeFigureOut">
               <a:rPr lang="en-US" dirty="0"/>
               <a:pPr/>
-              <a:t>5/20/2019</a:t>
+              <a:t>5/22/2019</a:t>
             </a:fld>
             <a:endParaRPr lang="en-US" dirty="0"/>
           </a:p>
@@ -1604,7 +1609,7 @@
             <a:fld id="{B61BEF0D-F0BB-DE4B-95CE-6DB70DBA9567}" type="datetimeFigureOut">
               <a:rPr lang="en-US" dirty="0"/>
               <a:pPr/>
-              <a:t>5/20/2019</a:t>
+              <a:t>5/22/2019</a:t>
             </a:fld>
             <a:endParaRPr lang="en-US" dirty="0"/>
           </a:p>
@@ -1903,7 +1908,7 @@
             <a:fld id="{B61BEF0D-F0BB-DE4B-95CE-6DB70DBA9567}" type="datetimeFigureOut">
               <a:rPr lang="en-US" dirty="0"/>
               <a:pPr/>
-              <a:t>5/20/2019</a:t>
+              <a:t>5/22/2019</a:t>
             </a:fld>
             <a:endParaRPr lang="en-US" dirty="0"/>
           </a:p>
@@ -2267,7 +2272,7 @@
             <a:fld id="{B61BEF0D-F0BB-DE4B-95CE-6DB70DBA9567}" type="datetimeFigureOut">
               <a:rPr lang="en-US" dirty="0"/>
               <a:pPr/>
-              <a:t>5/20/2019</a:t>
+              <a:t>5/22/2019</a:t>
             </a:fld>
             <a:endParaRPr lang="en-US" dirty="0"/>
           </a:p>
@@ -2438,7 +2443,7 @@
             <a:fld id="{B61BEF0D-F0BB-DE4B-95CE-6DB70DBA9567}" type="datetimeFigureOut">
               <a:rPr lang="en-US" dirty="0"/>
               <a:pPr/>
-              <a:t>5/20/2019</a:t>
+              <a:t>5/22/2019</a:t>
             </a:fld>
             <a:endParaRPr lang="en-US" dirty="0"/>
           </a:p>
@@ -2615,7 +2620,7 @@
             <a:fld id="{B61BEF0D-F0BB-DE4B-95CE-6DB70DBA9567}" type="datetimeFigureOut">
               <a:rPr lang="en-US" dirty="0"/>
               <a:pPr/>
-              <a:t>5/20/2019</a:t>
+              <a:t>5/22/2019</a:t>
             </a:fld>
             <a:endParaRPr lang="en-US" dirty="0"/>
           </a:p>
@@ -2782,7 +2787,7 @@
             <a:fld id="{B61BEF0D-F0BB-DE4B-95CE-6DB70DBA9567}" type="datetimeFigureOut">
               <a:rPr lang="en-US" dirty="0"/>
               <a:pPr/>
-              <a:t>5/20/2019</a:t>
+              <a:t>5/22/2019</a:t>
             </a:fld>
             <a:endParaRPr lang="en-US" dirty="0"/>
           </a:p>
@@ -3029,7 +3034,7 @@
             <a:fld id="{B61BEF0D-F0BB-DE4B-95CE-6DB70DBA9567}" type="datetimeFigureOut">
               <a:rPr lang="en-US" dirty="0"/>
               <a:pPr/>
-              <a:t>5/20/2019</a:t>
+              <a:t>5/22/2019</a:t>
             </a:fld>
             <a:endParaRPr lang="en-US" dirty="0"/>
           </a:p>
@@ -3262,7 +3267,7 @@
             <a:fld id="{B61BEF0D-F0BB-DE4B-95CE-6DB70DBA9567}" type="datetimeFigureOut">
               <a:rPr lang="en-US" dirty="0"/>
               <a:pPr/>
-              <a:t>5/20/2019</a:t>
+              <a:t>5/22/2019</a:t>
             </a:fld>
             <a:endParaRPr lang="en-US" dirty="0"/>
           </a:p>
@@ -3641,7 +3646,7 @@
             <a:fld id="{B61BEF0D-F0BB-DE4B-95CE-6DB70DBA9567}" type="datetimeFigureOut">
               <a:rPr lang="en-US" dirty="0"/>
               <a:pPr/>
-              <a:t>5/20/2019</a:t>
+              <a:t>5/22/2019</a:t>
             </a:fld>
             <a:endParaRPr lang="en-US" dirty="0"/>
           </a:p>
@@ -3756,7 +3761,7 @@
             <a:fld id="{B61BEF0D-F0BB-DE4B-95CE-6DB70DBA9567}" type="datetimeFigureOut">
               <a:rPr lang="en-US" dirty="0"/>
               <a:pPr/>
-              <a:t>5/20/2019</a:t>
+              <a:t>5/22/2019</a:t>
             </a:fld>
             <a:endParaRPr lang="en-US" dirty="0"/>
           </a:p>
@@ -3848,7 +3853,7 @@
             <a:fld id="{B61BEF0D-F0BB-DE4B-95CE-6DB70DBA9567}" type="datetimeFigureOut">
               <a:rPr lang="en-US" dirty="0"/>
               <a:pPr/>
-              <a:t>5/20/2019</a:t>
+              <a:t>5/22/2019</a:t>
             </a:fld>
             <a:endParaRPr lang="en-US" dirty="0"/>
           </a:p>
@@ -4100,7 +4105,7 @@
             <a:fld id="{B61BEF0D-F0BB-DE4B-95CE-6DB70DBA9567}" type="datetimeFigureOut">
               <a:rPr lang="en-US" dirty="0"/>
               <a:pPr/>
-              <a:t>5/20/2019</a:t>
+              <a:t>5/22/2019</a:t>
             </a:fld>
             <a:endParaRPr lang="en-US" dirty="0"/>
           </a:p>
@@ -4380,7 +4385,7 @@
             <a:fld id="{B61BEF0D-F0BB-DE4B-95CE-6DB70DBA9567}" type="datetimeFigureOut">
               <a:rPr lang="en-US" dirty="0"/>
               <a:pPr/>
-              <a:t>5/20/2019</a:t>
+              <a:t>5/22/2019</a:t>
             </a:fld>
             <a:endParaRPr lang="en-US" dirty="0"/>
           </a:p>
@@ -4783,7 +4788,7 @@
             <a:fld id="{B61BEF0D-F0BB-DE4B-95CE-6DB70DBA9567}" type="datetimeFigureOut">
               <a:rPr lang="en-US" dirty="0"/>
               <a:pPr/>
-              <a:t>5/20/2019</a:t>
+              <a:t>5/22/2019</a:t>
             </a:fld>
             <a:endParaRPr lang="en-US" dirty="0"/>
           </a:p>
@@ -5549,33 +5554,6 @@
               <a:t>no son usados de la misma manera en las entidades territoriales. </a:t>
             </a:r>
           </a:p>
-          <a:p>
-            <a:pPr algn="just"/>
-            <a:r>
-              <a:rPr lang="es-CO" dirty="0">
-                <a:solidFill>
-                  <a:schemeClr val="tx1"/>
-                </a:solidFill>
-              </a:rPr>
-              <a:t>Conocer los </a:t>
-            </a:r>
-            <a:r>
-              <a:rPr lang="es-CO" b="1" dirty="0">
-                <a:solidFill>
-                  <a:schemeClr val="tx1"/>
-                </a:solidFill>
-              </a:rPr>
-              <a:t>tipos de contratación </a:t>
-            </a:r>
-            <a:r>
-              <a:rPr lang="es-CO" dirty="0">
-                <a:solidFill>
-                  <a:schemeClr val="tx1"/>
-                </a:solidFill>
-              </a:rPr>
-              <a:t>es clave para entender la carencia o no de las entidades en materia de función pública y talento humano. </a:t>
-            </a:r>
-          </a:p>
         </p:txBody>
       </p:sp>
     </p:spTree>
@@ -5926,7 +5904,7 @@
                   <a:schemeClr val="tx1"/>
                 </a:solidFill>
               </a:rPr>
-              <a:t>Tableu</a:t>
+              <a:t>Tableau</a:t>
             </a:r>
             <a:r>
               <a:rPr lang="es-CO" sz="1500" dirty="0">
@@ -6177,7 +6155,7 @@
           <a:p>
             <a:r>
               <a:rPr lang="es-CO" sz="2800" dirty="0" err="1"/>
-              <a:t>Tableu</a:t>
+              <a:t>Tableau</a:t>
             </a:r>
             <a:r>
               <a:rPr lang="es-CO" sz="2800" dirty="0"/>
@@ -6449,53 +6427,88 @@
           <a:chExt cx="0" cy="0"/>
         </a:xfrm>
       </p:grpSpPr>
-      <p:sp>
-        <p:nvSpPr>
-          <p:cNvPr id="2" name="Título 1">
+      <p:pic>
+        <p:nvPicPr>
+          <p:cNvPr id="8" name="slide2">
             <a:extLst>
               <a:ext uri="{FF2B5EF4-FFF2-40B4-BE49-F238E27FC236}">
-                <a16:creationId xmlns:a16="http://schemas.microsoft.com/office/drawing/2014/main" id="{97E4334E-2325-4DB6-9BD3-8500C0DEA66F}"/>
+                <a16:creationId xmlns:a16="http://schemas.microsoft.com/office/drawing/2014/main" id="{C89E04C5-6FD4-4A38-859B-9C67A034055B}"/>
               </a:ext>
             </a:extLst>
           </p:cNvPr>
-          <p:cNvSpPr>
-            <a:spLocks noGrp="1"/>
-          </p:cNvSpPr>
-          <p:nvPr>
-            <p:ph type="title"/>
-          </p:nvPr>
-        </p:nvSpPr>
-        <p:spPr/>
-        <p:txBody>
-          <a:bodyPr/>
-          <a:lstStyle/>
-          <a:p>
-            <a:endParaRPr lang="es-CO"/>
-          </a:p>
-        </p:txBody>
-      </p:sp>
-      <p:sp>
-        <p:nvSpPr>
-          <p:cNvPr id="3" name="Marcador de contenido 2">
+          <p:cNvPicPr>
+            <a:picLocks noChangeAspect="1"/>
+          </p:cNvPicPr>
+          <p:nvPr/>
+        </p:nvPicPr>
+        <p:blipFill rotWithShape="1">
+          <a:blip r:embed="rId2">
+            <a:extLst>
+              <a:ext uri="{28A0092B-C50C-407E-A947-70E740481C1C}">
+                <a14:useLocalDpi xmlns:a14="http://schemas.microsoft.com/office/drawing/2010/main" val="0"/>
+              </a:ext>
+            </a:extLst>
+          </a:blip>
+          <a:srcRect l="1268" t="10434" r="1109" b="3862"/>
+          <a:stretch/>
+        </p:blipFill>
+        <p:spPr>
+          <a:xfrm>
+            <a:off x="887896" y="1124775"/>
+            <a:ext cx="8163340" cy="5733225"/>
+          </a:xfrm>
+          <a:prstGeom prst="rect">
+            <a:avLst/>
+          </a:prstGeom>
+          <a:ln w="3175">
+            <a:solidFill>
+              <a:schemeClr val="tx1"/>
+            </a:solidFill>
+          </a:ln>
+        </p:spPr>
+      </p:pic>
+      <p:sp>
+        <p:nvSpPr>
+          <p:cNvPr id="10" name="CuadroTexto 9">
             <a:extLst>
               <a:ext uri="{FF2B5EF4-FFF2-40B4-BE49-F238E27FC236}">
-                <a16:creationId xmlns:a16="http://schemas.microsoft.com/office/drawing/2014/main" id="{5B968B07-D175-42F5-86F3-481E72AFD48B}"/>
+                <a16:creationId xmlns:a16="http://schemas.microsoft.com/office/drawing/2014/main" id="{FB2AAEBE-8F3C-41D4-AFD0-55124C09C9A7}"/>
               </a:ext>
             </a:extLst>
           </p:cNvPr>
-          <p:cNvSpPr>
-            <a:spLocks noGrp="1"/>
-          </p:cNvSpPr>
-          <p:nvPr>
-            <p:ph idx="1"/>
-          </p:nvPr>
-        </p:nvSpPr>
-        <p:spPr/>
-        <p:txBody>
-          <a:bodyPr/>
-          <a:lstStyle/>
-          <a:p>
-            <a:endParaRPr lang="es-CO"/>
+          <p:cNvSpPr txBox="1"/>
+          <p:nvPr/>
+        </p:nvSpPr>
+        <p:spPr>
+          <a:xfrm>
+            <a:off x="0" y="0"/>
+            <a:ext cx="12191999" cy="1077218"/>
+          </a:xfrm>
+          <a:prstGeom prst="rect">
+            <a:avLst/>
+          </a:prstGeom>
+          <a:noFill/>
+        </p:spPr>
+        <p:txBody>
+          <a:bodyPr wrap="square" rtlCol="0">
+            <a:spAutoFit/>
+          </a:bodyPr>
+          <a:lstStyle/>
+          <a:p>
+            <a:pPr algn="ctr"/>
+            <a:r>
+              <a:rPr lang="es-CO" sz="3200" b="1" u="sng" dirty="0"/>
+              <a:t>DASHBOARD TALENTO HUMANO</a:t>
+            </a:r>
+            <a:r>
+              <a:rPr lang="es-CO" sz="3200" dirty="0"/>
+              <a:t> </a:t>
+            </a:r>
+            <a:r>
+              <a:rPr lang="es-CO" sz="3200" b="1" u="sng" dirty="0"/>
+              <a:t>PROVINCIA SABANA CENTRO</a:t>
+            </a:r>
+            <a:endParaRPr lang="es-CO" sz="3200" dirty="0"/>
           </a:p>
         </p:txBody>
       </p:sp>
